--- a/docs/diagrams/SearchCommandClassDiagram.pptx
+++ b/docs/diagrams/SearchCommandClassDiagram.pptx
@@ -208,7 +208,7 @@
           <a:p>
             <a:fld id="{F5CC4B3F-88C1-4FFA-B1B6-F41C21DC6924}" type="datetimeFigureOut">
               <a:rPr lang="en-US" smtClean="0"/>
-              <a:t>4/10/2019</a:t>
+              <a:t>4/13/2019</a:t>
             </a:fld>
             <a:endParaRPr lang="en-US"/>
           </a:p>
@@ -654,7 +654,7 @@
           <a:p>
             <a:fld id="{78C97017-6FC3-485B-9764-EAC9E56C1D49}" type="datetimeFigureOut">
               <a:rPr lang="en-US" smtClean="0"/>
-              <a:t>4/10/2019</a:t>
+              <a:t>4/13/2019</a:t>
             </a:fld>
             <a:endParaRPr lang="en-US"/>
           </a:p>
@@ -822,7 +822,7 @@
           <a:p>
             <a:fld id="{78C97017-6FC3-485B-9764-EAC9E56C1D49}" type="datetimeFigureOut">
               <a:rPr lang="en-US" smtClean="0"/>
-              <a:t>4/10/2019</a:t>
+              <a:t>4/13/2019</a:t>
             </a:fld>
             <a:endParaRPr lang="en-US"/>
           </a:p>
@@ -1000,7 +1000,7 @@
           <a:p>
             <a:fld id="{78C97017-6FC3-485B-9764-EAC9E56C1D49}" type="datetimeFigureOut">
               <a:rPr lang="en-US" smtClean="0"/>
-              <a:t>4/10/2019</a:t>
+              <a:t>4/13/2019</a:t>
             </a:fld>
             <a:endParaRPr lang="en-US"/>
           </a:p>
@@ -1168,7 +1168,7 @@
           <a:p>
             <a:fld id="{78C97017-6FC3-485B-9764-EAC9E56C1D49}" type="datetimeFigureOut">
               <a:rPr lang="en-US" smtClean="0"/>
-              <a:t>4/10/2019</a:t>
+              <a:t>4/13/2019</a:t>
             </a:fld>
             <a:endParaRPr lang="en-US"/>
           </a:p>
@@ -1413,7 +1413,7 @@
           <a:p>
             <a:fld id="{78C97017-6FC3-485B-9764-EAC9E56C1D49}" type="datetimeFigureOut">
               <a:rPr lang="en-US" smtClean="0"/>
-              <a:t>4/10/2019</a:t>
+              <a:t>4/13/2019</a:t>
             </a:fld>
             <a:endParaRPr lang="en-US"/>
           </a:p>
@@ -1698,7 +1698,7 @@
           <a:p>
             <a:fld id="{78C97017-6FC3-485B-9764-EAC9E56C1D49}" type="datetimeFigureOut">
               <a:rPr lang="en-US" smtClean="0"/>
-              <a:t>4/10/2019</a:t>
+              <a:t>4/13/2019</a:t>
             </a:fld>
             <a:endParaRPr lang="en-US"/>
           </a:p>
@@ -2117,7 +2117,7 @@
           <a:p>
             <a:fld id="{78C97017-6FC3-485B-9764-EAC9E56C1D49}" type="datetimeFigureOut">
               <a:rPr lang="en-US" smtClean="0"/>
-              <a:t>4/10/2019</a:t>
+              <a:t>4/13/2019</a:t>
             </a:fld>
             <a:endParaRPr lang="en-US"/>
           </a:p>
@@ -2234,7 +2234,7 @@
           <a:p>
             <a:fld id="{78C97017-6FC3-485B-9764-EAC9E56C1D49}" type="datetimeFigureOut">
               <a:rPr lang="en-US" smtClean="0"/>
-              <a:t>4/10/2019</a:t>
+              <a:t>4/13/2019</a:t>
             </a:fld>
             <a:endParaRPr lang="en-US"/>
           </a:p>
@@ -2329,7 +2329,7 @@
           <a:p>
             <a:fld id="{78C97017-6FC3-485B-9764-EAC9E56C1D49}" type="datetimeFigureOut">
               <a:rPr lang="en-US" smtClean="0"/>
-              <a:t>4/10/2019</a:t>
+              <a:t>4/13/2019</a:t>
             </a:fld>
             <a:endParaRPr lang="en-US"/>
           </a:p>
@@ -2604,7 +2604,7 @@
           <a:p>
             <a:fld id="{78C97017-6FC3-485B-9764-EAC9E56C1D49}" type="datetimeFigureOut">
               <a:rPr lang="en-US" smtClean="0"/>
-              <a:t>4/10/2019</a:t>
+              <a:t>4/13/2019</a:t>
             </a:fld>
             <a:endParaRPr lang="en-US"/>
           </a:p>
@@ -2856,7 +2856,7 @@
           <a:p>
             <a:fld id="{78C97017-6FC3-485B-9764-EAC9E56C1D49}" type="datetimeFigureOut">
               <a:rPr lang="en-US" smtClean="0"/>
-              <a:t>4/10/2019</a:t>
+              <a:t>4/13/2019</a:t>
             </a:fld>
             <a:endParaRPr lang="en-US"/>
           </a:p>
@@ -3067,7 +3067,7 @@
           <a:p>
             <a:fld id="{78C97017-6FC3-485B-9764-EAC9E56C1D49}" type="datetimeFigureOut">
               <a:rPr lang="en-US" smtClean="0"/>
-              <a:t>4/10/2019</a:t>
+              <a:t>4/13/2019</a:t>
             </a:fld>
             <a:endParaRPr lang="en-US"/>
           </a:p>
@@ -3450,8 +3450,8 @@
         </p:nvSpPr>
         <p:spPr>
           <a:xfrm>
-            <a:off x="210833" y="240435"/>
-            <a:ext cx="8686800" cy="5486400"/>
+            <a:off x="210833" y="838200"/>
+            <a:ext cx="8302813" cy="3962400"/>
           </a:xfrm>
           <a:prstGeom prst="roundRect">
             <a:avLst>
@@ -3744,8 +3744,8 @@
         </p:nvSpPr>
         <p:spPr>
           <a:xfrm>
-            <a:off x="210827" y="5802881"/>
-            <a:ext cx="8686800" cy="325349"/>
+            <a:off x="210827" y="4876800"/>
+            <a:ext cx="8302813" cy="325349"/>
           </a:xfrm>
           <a:prstGeom prst="roundRect">
             <a:avLst/>
@@ -3945,7 +3945,7 @@
         <p:spPr>
           <a:xfrm>
             <a:off x="6721760" y="4495800"/>
-            <a:ext cx="0" cy="1307081"/>
+            <a:ext cx="0" cy="381000"/>
           </a:xfrm>
           <a:prstGeom prst="straightConnector1">
             <a:avLst/>
@@ -4151,8 +4151,8 @@
         </p:nvCxnSpPr>
         <p:spPr>
           <a:xfrm flipH="1">
-            <a:off x="1511959" y="3930290"/>
-            <a:ext cx="12041" cy="1872591"/>
+            <a:off x="1521979" y="3930290"/>
+            <a:ext cx="2023" cy="946510"/>
           </a:xfrm>
           <a:prstGeom prst="straightConnector1">
             <a:avLst/>
@@ -4184,7 +4184,9 @@
       <p:cxnSp>
         <p:nvCxnSpPr>
           <p:cNvPr id="24" name="Elbow Connector 122"/>
-          <p:cNvCxnSpPr/>
+          <p:cNvCxnSpPr>
+            <a:cxnSpLocks/>
+          </p:cNvCxnSpPr>
           <p:nvPr/>
         </p:nvCxnSpPr>
         <p:spPr>
@@ -4767,7 +4769,7 @@
         </p:nvSpPr>
         <p:spPr>
           <a:xfrm flipH="1">
-            <a:off x="3556083" y="448448"/>
+            <a:off x="4185721" y="3760917"/>
             <a:ext cx="998702" cy="346760"/>
           </a:xfrm>
           <a:prstGeom prst="rect">
@@ -4833,7 +4835,7 @@
         </p:nvSpPr>
         <p:spPr>
           <a:xfrm flipH="1">
-            <a:off x="3888800" y="796830"/>
+            <a:off x="3973181" y="3404238"/>
             <a:ext cx="270504" cy="175523"/>
           </a:xfrm>
           <a:prstGeom prst="triangle">
@@ -5033,17 +5035,19 @@
           <p:cNvCxnSpPr>
             <a:cxnSpLocks/>
             <a:stCxn id="75" idx="3"/>
-            <a:endCxn id="42" idx="0"/>
+            <a:endCxn id="97" idx="0"/>
           </p:cNvCxnSpPr>
           <p:nvPr/>
         </p:nvCxnSpPr>
         <p:spPr>
           <a:xfrm rot="16200000" flipH="1">
-            <a:off x="3892244" y="1104161"/>
-            <a:ext cx="352668" cy="89052"/>
+            <a:off x="4306174" y="3382019"/>
+            <a:ext cx="181156" cy="576639"/>
           </a:xfrm>
           <a:prstGeom prst="bentConnector3">
-            <a:avLst/>
+            <a:avLst>
+              <a:gd name="adj1" fmla="val 50000"/>
+            </a:avLst>
           </a:prstGeom>
           <a:ln>
             <a:solidFill>
@@ -6988,8 +6992,8 @@
           </a:xfrm>
           <a:prstGeom prst="bentConnector4">
             <a:avLst>
-              <a:gd name="adj1" fmla="val -8915"/>
-              <a:gd name="adj2" fmla="val 142667"/>
+              <a:gd name="adj1" fmla="val -5042"/>
+              <a:gd name="adj2" fmla="val 107505"/>
             </a:avLst>
           </a:prstGeom>
           <a:ln w="19050">
@@ -7025,7 +7029,7 @@
         </p:nvGrpSpPr>
         <p:grpSpPr>
           <a:xfrm>
-            <a:off x="5531996" y="332645"/>
+            <a:off x="5231032" y="881540"/>
             <a:ext cx="868568" cy="230832"/>
             <a:chOff x="2755838" y="789460"/>
             <a:chExt cx="868568" cy="230832"/>
